--- a/Lecture 3/3. Recursion, Iteration, Time Space Trade off.pptx
+++ b/Lecture 3/3. Recursion, Iteration, Time Space Trade off.pptx
@@ -5,7 +5,7 @@
     <p:sldMasterId id="2147483702" r:id="rId1"/>
   </p:sldMasterIdLst>
   <p:notesMasterIdLst>
-    <p:notesMasterId r:id="rId18"/>
+    <p:notesMasterId r:id="rId21"/>
   </p:notesMasterIdLst>
   <p:sldIdLst>
     <p:sldId id="256" r:id="rId2"/>
@@ -22,22 +22,25 @@
     <p:sldId id="326" r:id="rId13"/>
     <p:sldId id="327" r:id="rId14"/>
     <p:sldId id="328" r:id="rId15"/>
-    <p:sldId id="329" r:id="rId16"/>
-    <p:sldId id="276" r:id="rId17"/>
+    <p:sldId id="330" r:id="rId16"/>
+    <p:sldId id="329" r:id="rId17"/>
+    <p:sldId id="331" r:id="rId18"/>
+    <p:sldId id="332" r:id="rId19"/>
+    <p:sldId id="276" r:id="rId20"/>
   </p:sldIdLst>
   <p:sldSz cx="9144000" cy="5143500" type="screen16x9"/>
   <p:notesSz cx="6858000" cy="9144000"/>
   <p:embeddedFontLst>
     <p:embeddedFont>
       <p:font typeface="Lilita One" panose="020B0604020202020204" charset="0"/>
-      <p:regular r:id="rId19"/>
+      <p:regular r:id="rId22"/>
     </p:embeddedFont>
     <p:embeddedFont>
       <p:font typeface="Mulish" panose="020B0604020202020204" charset="0"/>
-      <p:regular r:id="rId20"/>
-      <p:bold r:id="rId21"/>
-      <p:italic r:id="rId22"/>
-      <p:boldItalic r:id="rId23"/>
+      <p:regular r:id="rId23"/>
+      <p:bold r:id="rId24"/>
+      <p:italic r:id="rId25"/>
+      <p:boldItalic r:id="rId26"/>
     </p:embeddedFont>
   </p:embeddedFontLst>
   <p:defaultTextStyle>
@@ -1466,6 +1469,115 @@
     </p:spTree>
     <p:extLst>
       <p:ext uri="{BB962C8B-B14F-4D97-AF65-F5344CB8AC3E}">
+        <p14:creationId xmlns:p14="http://schemas.microsoft.com/office/powerpoint/2010/main" val="3421449713"/>
+      </p:ext>
+    </p:extLst>
+  </p:cSld>
+  <p:clrMapOvr>
+    <a:masterClrMapping/>
+  </p:clrMapOvr>
+</p:notes>
+</file>
+
+<file path=ppt/notesSlides/notesSlide16.xml><?xml version="1.0" encoding="utf-8"?>
+<p:notes xmlns:a="http://schemas.openxmlformats.org/drawingml/2006/main" xmlns:r="http://schemas.openxmlformats.org/officeDocument/2006/relationships" xmlns:p="http://schemas.openxmlformats.org/presentationml/2006/main" showMasterSp="0" showMasterPhAnim="0">
+  <p:cSld>
+    <p:spTree>
+      <p:nvGrpSpPr>
+        <p:cNvPr id="1" name="Shape 914"/>
+        <p:cNvGrpSpPr/>
+        <p:nvPr/>
+      </p:nvGrpSpPr>
+      <p:grpSpPr>
+        <a:xfrm>
+          <a:off x="0" y="0"/>
+          <a:ext cx="0" cy="0"/>
+          <a:chOff x="0" y="0"/>
+          <a:chExt cx="0" cy="0"/>
+        </a:xfrm>
+      </p:grpSpPr>
+      <p:sp>
+        <p:nvSpPr>
+          <p:cNvPr id="915" name="Google Shape;915;g8a0076b5af_0_129:notes"/>
+          <p:cNvSpPr>
+            <a:spLocks noGrp="1" noRot="1" noChangeAspect="1"/>
+          </p:cNvSpPr>
+          <p:nvPr>
+            <p:ph type="sldImg" idx="2"/>
+          </p:nvPr>
+        </p:nvSpPr>
+        <p:spPr>
+          <a:xfrm>
+            <a:off x="381000" y="685800"/>
+            <a:ext cx="6096000" cy="3429000"/>
+          </a:xfrm>
+          <a:custGeom>
+            <a:avLst/>
+            <a:gdLst/>
+            <a:ahLst/>
+            <a:cxnLst/>
+            <a:rect l="l" t="t" r="r" b="b"/>
+            <a:pathLst>
+              <a:path w="120000" h="120000" extrusionOk="0">
+                <a:moveTo>
+                  <a:pt x="0" y="0"/>
+                </a:moveTo>
+                <a:lnTo>
+                  <a:pt x="120000" y="0"/>
+                </a:lnTo>
+                <a:lnTo>
+                  <a:pt x="120000" y="120000"/>
+                </a:lnTo>
+                <a:lnTo>
+                  <a:pt x="0" y="120000"/>
+                </a:lnTo>
+                <a:close/>
+              </a:path>
+            </a:pathLst>
+          </a:custGeom>
+        </p:spPr>
+      </p:sp>
+      <p:sp>
+        <p:nvSpPr>
+          <p:cNvPr id="916" name="Google Shape;916;g8a0076b5af_0_129:notes"/>
+          <p:cNvSpPr txBox="1">
+            <a:spLocks noGrp="1"/>
+          </p:cNvSpPr>
+          <p:nvPr>
+            <p:ph type="body" idx="1"/>
+          </p:nvPr>
+        </p:nvSpPr>
+        <p:spPr>
+          <a:xfrm>
+            <a:off x="685800" y="4343400"/>
+            <a:ext cx="5486400" cy="4114800"/>
+          </a:xfrm>
+          <a:prstGeom prst="rect">
+            <a:avLst/>
+          </a:prstGeom>
+        </p:spPr>
+        <p:txBody>
+          <a:bodyPr spcFirstLastPara="1" wrap="square" lIns="91425" tIns="91425" rIns="91425" bIns="91425" anchor="t" anchorCtr="0">
+            <a:noAutofit/>
+          </a:bodyPr>
+          <a:lstStyle/>
+          <a:p>
+            <a:pPr marL="0" lvl="0" indent="0" algn="l" rtl="0">
+              <a:spcBef>
+                <a:spcPts val="0"/>
+              </a:spcBef>
+              <a:spcAft>
+                <a:spcPts val="0"/>
+              </a:spcAft>
+              <a:buNone/>
+            </a:pPr>
+            <a:endParaRPr dirty="0"/>
+          </a:p>
+        </p:txBody>
+      </p:sp>
+    </p:spTree>
+    <p:extLst>
+      <p:ext uri="{BB962C8B-B14F-4D97-AF65-F5344CB8AC3E}">
         <p14:creationId xmlns:p14="http://schemas.microsoft.com/office/powerpoint/2010/main" val="1792388333"/>
       </p:ext>
     </p:extLst>
@@ -1476,7 +1588,225 @@
 </p:notes>
 </file>
 
-<file path=ppt/notesSlides/notesSlide16.xml><?xml version="1.0" encoding="utf-8"?>
+<file path=ppt/notesSlides/notesSlide17.xml><?xml version="1.0" encoding="utf-8"?>
+<p:notes xmlns:a="http://schemas.openxmlformats.org/drawingml/2006/main" xmlns:r="http://schemas.openxmlformats.org/officeDocument/2006/relationships" xmlns:p="http://schemas.openxmlformats.org/presentationml/2006/main" showMasterSp="0" showMasterPhAnim="0">
+  <p:cSld>
+    <p:spTree>
+      <p:nvGrpSpPr>
+        <p:cNvPr id="1" name="Shape 914"/>
+        <p:cNvGrpSpPr/>
+        <p:nvPr/>
+      </p:nvGrpSpPr>
+      <p:grpSpPr>
+        <a:xfrm>
+          <a:off x="0" y="0"/>
+          <a:ext cx="0" cy="0"/>
+          <a:chOff x="0" y="0"/>
+          <a:chExt cx="0" cy="0"/>
+        </a:xfrm>
+      </p:grpSpPr>
+      <p:sp>
+        <p:nvSpPr>
+          <p:cNvPr id="915" name="Google Shape;915;g8a0076b5af_0_129:notes"/>
+          <p:cNvSpPr>
+            <a:spLocks noGrp="1" noRot="1" noChangeAspect="1"/>
+          </p:cNvSpPr>
+          <p:nvPr>
+            <p:ph type="sldImg" idx="2"/>
+          </p:nvPr>
+        </p:nvSpPr>
+        <p:spPr>
+          <a:xfrm>
+            <a:off x="381000" y="685800"/>
+            <a:ext cx="6096000" cy="3429000"/>
+          </a:xfrm>
+          <a:custGeom>
+            <a:avLst/>
+            <a:gdLst/>
+            <a:ahLst/>
+            <a:cxnLst/>
+            <a:rect l="l" t="t" r="r" b="b"/>
+            <a:pathLst>
+              <a:path w="120000" h="120000" extrusionOk="0">
+                <a:moveTo>
+                  <a:pt x="0" y="0"/>
+                </a:moveTo>
+                <a:lnTo>
+                  <a:pt x="120000" y="0"/>
+                </a:lnTo>
+                <a:lnTo>
+                  <a:pt x="120000" y="120000"/>
+                </a:lnTo>
+                <a:lnTo>
+                  <a:pt x="0" y="120000"/>
+                </a:lnTo>
+                <a:close/>
+              </a:path>
+            </a:pathLst>
+          </a:custGeom>
+        </p:spPr>
+      </p:sp>
+      <p:sp>
+        <p:nvSpPr>
+          <p:cNvPr id="916" name="Google Shape;916;g8a0076b5af_0_129:notes"/>
+          <p:cNvSpPr txBox="1">
+            <a:spLocks noGrp="1"/>
+          </p:cNvSpPr>
+          <p:nvPr>
+            <p:ph type="body" idx="1"/>
+          </p:nvPr>
+        </p:nvSpPr>
+        <p:spPr>
+          <a:xfrm>
+            <a:off x="685800" y="4343400"/>
+            <a:ext cx="5486400" cy="4114800"/>
+          </a:xfrm>
+          <a:prstGeom prst="rect">
+            <a:avLst/>
+          </a:prstGeom>
+        </p:spPr>
+        <p:txBody>
+          <a:bodyPr spcFirstLastPara="1" wrap="square" lIns="91425" tIns="91425" rIns="91425" bIns="91425" anchor="t" anchorCtr="0">
+            <a:noAutofit/>
+          </a:bodyPr>
+          <a:lstStyle/>
+          <a:p>
+            <a:pPr marL="0" lvl="0" indent="0" algn="l" rtl="0">
+              <a:spcBef>
+                <a:spcPts val="0"/>
+              </a:spcBef>
+              <a:spcAft>
+                <a:spcPts val="0"/>
+              </a:spcAft>
+              <a:buNone/>
+            </a:pPr>
+            <a:endParaRPr dirty="0"/>
+          </a:p>
+        </p:txBody>
+      </p:sp>
+    </p:spTree>
+    <p:extLst>
+      <p:ext uri="{BB962C8B-B14F-4D97-AF65-F5344CB8AC3E}">
+        <p14:creationId xmlns:p14="http://schemas.microsoft.com/office/powerpoint/2010/main" val="3132295790"/>
+      </p:ext>
+    </p:extLst>
+  </p:cSld>
+  <p:clrMapOvr>
+    <a:masterClrMapping/>
+  </p:clrMapOvr>
+</p:notes>
+</file>
+
+<file path=ppt/notesSlides/notesSlide18.xml><?xml version="1.0" encoding="utf-8"?>
+<p:notes xmlns:a="http://schemas.openxmlformats.org/drawingml/2006/main" xmlns:r="http://schemas.openxmlformats.org/officeDocument/2006/relationships" xmlns:p="http://schemas.openxmlformats.org/presentationml/2006/main" showMasterSp="0" showMasterPhAnim="0">
+  <p:cSld>
+    <p:spTree>
+      <p:nvGrpSpPr>
+        <p:cNvPr id="1" name="Shape 914"/>
+        <p:cNvGrpSpPr/>
+        <p:nvPr/>
+      </p:nvGrpSpPr>
+      <p:grpSpPr>
+        <a:xfrm>
+          <a:off x="0" y="0"/>
+          <a:ext cx="0" cy="0"/>
+          <a:chOff x="0" y="0"/>
+          <a:chExt cx="0" cy="0"/>
+        </a:xfrm>
+      </p:grpSpPr>
+      <p:sp>
+        <p:nvSpPr>
+          <p:cNvPr id="915" name="Google Shape;915;g8a0076b5af_0_129:notes"/>
+          <p:cNvSpPr>
+            <a:spLocks noGrp="1" noRot="1" noChangeAspect="1"/>
+          </p:cNvSpPr>
+          <p:nvPr>
+            <p:ph type="sldImg" idx="2"/>
+          </p:nvPr>
+        </p:nvSpPr>
+        <p:spPr>
+          <a:xfrm>
+            <a:off x="381000" y="685800"/>
+            <a:ext cx="6096000" cy="3429000"/>
+          </a:xfrm>
+          <a:custGeom>
+            <a:avLst/>
+            <a:gdLst/>
+            <a:ahLst/>
+            <a:cxnLst/>
+            <a:rect l="l" t="t" r="r" b="b"/>
+            <a:pathLst>
+              <a:path w="120000" h="120000" extrusionOk="0">
+                <a:moveTo>
+                  <a:pt x="0" y="0"/>
+                </a:moveTo>
+                <a:lnTo>
+                  <a:pt x="120000" y="0"/>
+                </a:lnTo>
+                <a:lnTo>
+                  <a:pt x="120000" y="120000"/>
+                </a:lnTo>
+                <a:lnTo>
+                  <a:pt x="0" y="120000"/>
+                </a:lnTo>
+                <a:close/>
+              </a:path>
+            </a:pathLst>
+          </a:custGeom>
+        </p:spPr>
+      </p:sp>
+      <p:sp>
+        <p:nvSpPr>
+          <p:cNvPr id="916" name="Google Shape;916;g8a0076b5af_0_129:notes"/>
+          <p:cNvSpPr txBox="1">
+            <a:spLocks noGrp="1"/>
+          </p:cNvSpPr>
+          <p:nvPr>
+            <p:ph type="body" idx="1"/>
+          </p:nvPr>
+        </p:nvSpPr>
+        <p:spPr>
+          <a:xfrm>
+            <a:off x="685800" y="4343400"/>
+            <a:ext cx="5486400" cy="4114800"/>
+          </a:xfrm>
+          <a:prstGeom prst="rect">
+            <a:avLst/>
+          </a:prstGeom>
+        </p:spPr>
+        <p:txBody>
+          <a:bodyPr spcFirstLastPara="1" wrap="square" lIns="91425" tIns="91425" rIns="91425" bIns="91425" anchor="t" anchorCtr="0">
+            <a:noAutofit/>
+          </a:bodyPr>
+          <a:lstStyle/>
+          <a:p>
+            <a:pPr marL="0" lvl="0" indent="0" algn="l" rtl="0">
+              <a:spcBef>
+                <a:spcPts val="0"/>
+              </a:spcBef>
+              <a:spcAft>
+                <a:spcPts val="0"/>
+              </a:spcAft>
+              <a:buNone/>
+            </a:pPr>
+            <a:endParaRPr dirty="0"/>
+          </a:p>
+        </p:txBody>
+      </p:sp>
+    </p:spTree>
+    <p:extLst>
+      <p:ext uri="{BB962C8B-B14F-4D97-AF65-F5344CB8AC3E}">
+        <p14:creationId xmlns:p14="http://schemas.microsoft.com/office/powerpoint/2010/main" val="2509714546"/>
+      </p:ext>
+    </p:extLst>
+  </p:cSld>
+  <p:clrMapOvr>
+    <a:masterClrMapping/>
+  </p:clrMapOvr>
+</p:notes>
+</file>
+
+<file path=ppt/notesSlides/notesSlide19.xml><?xml version="1.0" encoding="utf-8"?>
 <p:notes xmlns:a="http://schemas.openxmlformats.org/drawingml/2006/main" xmlns:r="http://schemas.openxmlformats.org/officeDocument/2006/relationships" xmlns:p="http://schemas.openxmlformats.org/presentationml/2006/main" showMasterSp="0" showMasterPhAnim="0">
   <p:cSld>
     <p:spTree>
@@ -22742,6 +23072,88 @@
           </a:p>
         </p:txBody>
       </p:sp>
+      <p:sp>
+        <p:nvSpPr>
+          <p:cNvPr id="8" name="TextBox 7">
+            <a:extLst>
+              <a:ext uri="{FF2B5EF4-FFF2-40B4-BE49-F238E27FC236}">
+                <a16:creationId xmlns:a16="http://schemas.microsoft.com/office/drawing/2014/main" id="{85433E18-2F13-4C30-BF90-8036FBACEAD9}"/>
+              </a:ext>
+            </a:extLst>
+          </p:cNvPr>
+          <p:cNvSpPr txBox="1"/>
+          <p:nvPr/>
+        </p:nvSpPr>
+        <p:spPr>
+          <a:xfrm>
+            <a:off x="449813" y="1342277"/>
+            <a:ext cx="8493891" cy="2246769"/>
+          </a:xfrm>
+          <a:prstGeom prst="rect">
+            <a:avLst/>
+          </a:prstGeom>
+          <a:noFill/>
+        </p:spPr>
+        <p:txBody>
+          <a:bodyPr wrap="square">
+            <a:spAutoFit/>
+          </a:bodyPr>
+          <a:lstStyle/>
+          <a:p>
+            <a:r>
+              <a:rPr lang="en-US" dirty="0"/>
+              <a:t>Iteration involves looping constructs like for, while, and do-while loops. </a:t>
+            </a:r>
+          </a:p>
+          <a:p>
+            <a:endParaRPr lang="en-US" dirty="0"/>
+          </a:p>
+          <a:p>
+            <a:r>
+              <a:rPr lang="en-US" dirty="0"/>
+              <a:t>The trade-off considerations include:</a:t>
+            </a:r>
+          </a:p>
+          <a:p>
+            <a:endParaRPr lang="en-US" dirty="0"/>
+          </a:p>
+          <a:p>
+            <a:pPr marL="285750" indent="-285750">
+              <a:buFont typeface="Arial" panose="020B0604020202020204" pitchFamily="34" charset="0"/>
+              <a:buChar char="•"/>
+            </a:pPr>
+            <a:r>
+              <a:rPr lang="en-US" b="1" dirty="0"/>
+              <a:t>Space Efficiency: </a:t>
+            </a:r>
+            <a:r>
+              <a:rPr lang="en-US" dirty="0"/>
+              <a:t>Iterative algorithms generally have lower space complexity because they use a constant amount of memory for control variables (e.g., loop counters). The memory requirement does not grow with the depth of the iteration.</a:t>
+            </a:r>
+          </a:p>
+          <a:p>
+            <a:pPr marL="285750" indent="-285750">
+              <a:buFont typeface="Arial" panose="020B0604020202020204" pitchFamily="34" charset="0"/>
+              <a:buChar char="•"/>
+            </a:pPr>
+            <a:endParaRPr lang="en-US" dirty="0"/>
+          </a:p>
+          <a:p>
+            <a:pPr marL="285750" indent="-285750">
+              <a:buFont typeface="Arial" panose="020B0604020202020204" pitchFamily="34" charset="0"/>
+              <a:buChar char="•"/>
+            </a:pPr>
+            <a:r>
+              <a:rPr lang="en-US" b="1" dirty="0"/>
+              <a:t>Time Efficiency:  </a:t>
+            </a:r>
+            <a:r>
+              <a:rPr lang="en-US" dirty="0"/>
+              <a:t>Iteration can be time-efficient but may require more sophisticated algorithms (like iterative dynamic programming) to achieve the same results as recursive solutions.</a:t>
+            </a:r>
+          </a:p>
+        </p:txBody>
+      </p:sp>
     </p:spTree>
     <p:extLst>
       <p:ext uri="{BB962C8B-B14F-4D97-AF65-F5344CB8AC3E}">
@@ -23058,9 +23470,545 @@
             </a:pPr>
             <a:r>
               <a:rPr lang="en-US" dirty="0"/>
+              <a:t>How iteration works</a:t>
+            </a:r>
+            <a:endParaRPr dirty="0"/>
+          </a:p>
+        </p:txBody>
+      </p:sp>
+      <p:sp>
+        <p:nvSpPr>
+          <p:cNvPr id="8" name="TextBox 7">
+            <a:extLst>
+              <a:ext uri="{FF2B5EF4-FFF2-40B4-BE49-F238E27FC236}">
+                <a16:creationId xmlns:a16="http://schemas.microsoft.com/office/drawing/2014/main" id="{85433E18-2F13-4C30-BF90-8036FBACEAD9}"/>
+              </a:ext>
+            </a:extLst>
+          </p:cNvPr>
+          <p:cNvSpPr txBox="1"/>
+          <p:nvPr/>
+        </p:nvSpPr>
+        <p:spPr>
+          <a:xfrm>
+            <a:off x="891326" y="1448365"/>
+            <a:ext cx="3506503" cy="2246769"/>
+          </a:xfrm>
+          <a:prstGeom prst="rect">
+            <a:avLst/>
+          </a:prstGeom>
+          <a:noFill/>
+        </p:spPr>
+        <p:txBody>
+          <a:bodyPr wrap="square">
+            <a:spAutoFit/>
+          </a:bodyPr>
+          <a:lstStyle/>
+          <a:p>
+            <a:r>
+              <a:rPr lang="en-US" dirty="0"/>
+              <a:t>#include &lt;iostream&gt;</a:t>
+            </a:r>
+          </a:p>
+          <a:p>
+            <a:endParaRPr lang="en-US" dirty="0"/>
+          </a:p>
+          <a:p>
+            <a:r>
+              <a:rPr lang="en-US" dirty="0"/>
+              <a:t>int factorial(int n) {</a:t>
+            </a:r>
+          </a:p>
+          <a:p>
+            <a:r>
+              <a:rPr lang="en-US" dirty="0"/>
+              <a:t>    int result = 1;</a:t>
+            </a:r>
+          </a:p>
+          <a:p>
+            <a:r>
+              <a:rPr lang="en-US" dirty="0"/>
+              <a:t>    for (int </a:t>
+            </a:r>
+            <a:r>
+              <a:rPr lang="en-US" dirty="0" err="1"/>
+              <a:t>i</a:t>
+            </a:r>
+            <a:r>
+              <a:rPr lang="en-US" dirty="0"/>
+              <a:t> = 1; </a:t>
+            </a:r>
+            <a:r>
+              <a:rPr lang="en-US" dirty="0" err="1"/>
+              <a:t>i</a:t>
+            </a:r>
+            <a:r>
+              <a:rPr lang="en-US" dirty="0"/>
+              <a:t> &lt;= n; ++</a:t>
+            </a:r>
+            <a:r>
+              <a:rPr lang="en-US" dirty="0" err="1"/>
+              <a:t>i</a:t>
+            </a:r>
+            <a:r>
+              <a:rPr lang="en-US" dirty="0"/>
+              <a:t>) {</a:t>
+            </a:r>
+          </a:p>
+          <a:p>
+            <a:r>
+              <a:rPr lang="en-US" dirty="0"/>
+              <a:t>        result *= </a:t>
+            </a:r>
+            <a:r>
+              <a:rPr lang="en-US" dirty="0" err="1"/>
+              <a:t>i</a:t>
+            </a:r>
+            <a:r>
+              <a:rPr lang="en-US" dirty="0"/>
+              <a:t>;</a:t>
+            </a:r>
+          </a:p>
+          <a:p>
+            <a:r>
+              <a:rPr lang="en-US" dirty="0"/>
+              <a:t>    }</a:t>
+            </a:r>
+          </a:p>
+          <a:p>
+            <a:r>
+              <a:rPr lang="en-US" dirty="0"/>
+              <a:t>    return result;</a:t>
+            </a:r>
+          </a:p>
+          <a:p>
+            <a:r>
+              <a:rPr lang="en-US" dirty="0"/>
+              <a:t>}</a:t>
+            </a:r>
+          </a:p>
+          <a:p>
+            <a:endParaRPr lang="en-US" dirty="0"/>
+          </a:p>
+        </p:txBody>
+      </p:sp>
+    </p:spTree>
+    <p:extLst>
+      <p:ext uri="{BB962C8B-B14F-4D97-AF65-F5344CB8AC3E}">
+        <p14:creationId xmlns:p14="http://schemas.microsoft.com/office/powerpoint/2010/main" val="2341081833"/>
+      </p:ext>
+    </p:extLst>
+  </p:cSld>
+  <p:clrMapOvr>
+    <a:masterClrMapping/>
+  </p:clrMapOvr>
+</p:sld>
+</file>
+
+<file path=ppt/slides/slide16.xml><?xml version="1.0" encoding="utf-8"?>
+<p:sld xmlns:a="http://schemas.openxmlformats.org/drawingml/2006/main" xmlns:r="http://schemas.openxmlformats.org/officeDocument/2006/relationships" xmlns:p="http://schemas.openxmlformats.org/presentationml/2006/main">
+  <p:cSld>
+    <p:spTree>
+      <p:nvGrpSpPr>
+        <p:cNvPr id="1" name="Shape 917"/>
+        <p:cNvGrpSpPr/>
+        <p:nvPr/>
+      </p:nvGrpSpPr>
+      <p:grpSpPr>
+        <a:xfrm>
+          <a:off x="0" y="0"/>
+          <a:ext cx="0" cy="0"/>
+          <a:chOff x="0" y="0"/>
+          <a:chExt cx="0" cy="0"/>
+        </a:xfrm>
+      </p:grpSpPr>
+      <p:sp>
+        <p:nvSpPr>
+          <p:cNvPr id="944" name="Google Shape;944;p69">
+            <a:hlinkClick r:id="rId3" action="ppaction://hlinksldjump"/>
+          </p:cNvPr>
+          <p:cNvSpPr/>
+          <p:nvPr/>
+        </p:nvSpPr>
+        <p:spPr>
+          <a:xfrm>
+            <a:off x="4637086" y="184075"/>
+            <a:ext cx="285600" cy="252000"/>
+          </a:xfrm>
+          <a:prstGeom prst="roundRect">
+            <a:avLst>
+              <a:gd name="adj" fmla="val 16667"/>
+            </a:avLst>
+          </a:prstGeom>
+          <a:solidFill>
+            <a:schemeClr val="lt1"/>
+          </a:solidFill>
+          <a:ln w="19050" cap="flat" cmpd="sng">
+            <a:solidFill>
+              <a:schemeClr val="dk1"/>
+            </a:solidFill>
+            <a:prstDash val="solid"/>
+            <a:round/>
+            <a:headEnd type="none" w="sm" len="sm"/>
+            <a:tailEnd type="none" w="sm" len="sm"/>
+          </a:ln>
+        </p:spPr>
+        <p:txBody>
+          <a:bodyPr spcFirstLastPara="1" wrap="square" lIns="0" tIns="0" rIns="0" bIns="0" anchor="ctr" anchorCtr="0">
+            <a:noAutofit/>
+          </a:bodyPr>
+          <a:lstStyle/>
+          <a:p>
+            <a:pPr marL="0" lvl="0" indent="0" algn="ctr" rtl="0">
+              <a:spcBef>
+                <a:spcPts val="0"/>
+              </a:spcBef>
+              <a:spcAft>
+                <a:spcPts val="0"/>
+              </a:spcAft>
+              <a:buNone/>
+            </a:pPr>
+            <a:r>
+              <a:rPr lang="en-US" dirty="0">
+                <a:latin typeface="Lilita One"/>
+                <a:ea typeface="Lilita One"/>
+                <a:cs typeface="Lilita One"/>
+                <a:sym typeface="Lilita One"/>
+              </a:rPr>
+              <a:t>3</a:t>
+            </a:r>
+            <a:endParaRPr dirty="0">
+              <a:latin typeface="Lilita One"/>
+              <a:ea typeface="Lilita One"/>
+              <a:cs typeface="Lilita One"/>
+              <a:sym typeface="Lilita One"/>
+            </a:endParaRPr>
+          </a:p>
+        </p:txBody>
+      </p:sp>
+      <p:sp>
+        <p:nvSpPr>
+          <p:cNvPr id="945" name="Google Shape;945;p69">
+            <a:hlinkClick r:id="rId4" action="ppaction://hlinksldjump"/>
+          </p:cNvPr>
+          <p:cNvSpPr/>
+          <p:nvPr/>
+        </p:nvSpPr>
+        <p:spPr>
+          <a:xfrm>
+            <a:off x="4229891" y="184075"/>
+            <a:ext cx="285600" cy="252000"/>
+          </a:xfrm>
+          <a:prstGeom prst="roundRect">
+            <a:avLst>
+              <a:gd name="adj" fmla="val 16667"/>
+            </a:avLst>
+          </a:prstGeom>
+          <a:solidFill>
+            <a:schemeClr val="lt1"/>
+          </a:solidFill>
+          <a:ln w="19050" cap="flat" cmpd="sng">
+            <a:solidFill>
+              <a:schemeClr val="dk1"/>
+            </a:solidFill>
+            <a:prstDash val="solid"/>
+            <a:round/>
+            <a:headEnd type="none" w="sm" len="sm"/>
+            <a:tailEnd type="none" w="sm" len="sm"/>
+          </a:ln>
+        </p:spPr>
+        <p:txBody>
+          <a:bodyPr spcFirstLastPara="1" wrap="square" lIns="0" tIns="0" rIns="0" bIns="0" anchor="ctr" anchorCtr="0">
+            <a:noAutofit/>
+          </a:bodyPr>
+          <a:lstStyle/>
+          <a:p>
+            <a:pPr marL="0" lvl="0" indent="0" algn="ctr" rtl="0">
+              <a:spcBef>
+                <a:spcPts val="0"/>
+              </a:spcBef>
+              <a:spcAft>
+                <a:spcPts val="0"/>
+              </a:spcAft>
+              <a:buNone/>
+            </a:pPr>
+            <a:r>
+              <a:rPr lang="en">
+                <a:latin typeface="Lilita One"/>
+                <a:ea typeface="Lilita One"/>
+                <a:cs typeface="Lilita One"/>
+                <a:sym typeface="Lilita One"/>
+              </a:rPr>
+              <a:t>T</a:t>
+            </a:r>
+            <a:endParaRPr>
+              <a:latin typeface="Lilita One"/>
+              <a:ea typeface="Lilita One"/>
+              <a:cs typeface="Lilita One"/>
+              <a:sym typeface="Lilita One"/>
+            </a:endParaRPr>
+          </a:p>
+        </p:txBody>
+      </p:sp>
+      <p:sp>
+        <p:nvSpPr>
+          <p:cNvPr id="946" name="Google Shape;946;p69">
+            <a:hlinkClick r:id="" action="ppaction://hlinkshowjump?jump=previousslide"/>
+          </p:cNvPr>
+          <p:cNvSpPr/>
+          <p:nvPr/>
+        </p:nvSpPr>
+        <p:spPr>
+          <a:xfrm flipH="1">
+            <a:off x="3863813" y="184075"/>
+            <a:ext cx="285600" cy="252000"/>
+          </a:xfrm>
+          <a:prstGeom prst="roundRect">
+            <a:avLst>
+              <a:gd name="adj" fmla="val 16667"/>
+            </a:avLst>
+          </a:prstGeom>
+          <a:solidFill>
+            <a:schemeClr val="lt1"/>
+          </a:solidFill>
+          <a:ln>
+            <a:noFill/>
+          </a:ln>
+        </p:spPr>
+        <p:txBody>
+          <a:bodyPr spcFirstLastPara="1" wrap="square" lIns="0" tIns="0" rIns="0" bIns="0" anchor="ctr" anchorCtr="0">
+            <a:noAutofit/>
+          </a:bodyPr>
+          <a:lstStyle/>
+          <a:p>
+            <a:pPr marL="0" lvl="0" indent="0" algn="ctr" rtl="0">
+              <a:spcBef>
+                <a:spcPts val="0"/>
+              </a:spcBef>
+              <a:spcAft>
+                <a:spcPts val="0"/>
+              </a:spcAft>
+              <a:buNone/>
+            </a:pPr>
+            <a:r>
+              <a:rPr lang="en" sz="2000" b="1">
+                <a:latin typeface="Lilita One"/>
+                <a:ea typeface="Lilita One"/>
+                <a:cs typeface="Lilita One"/>
+                <a:sym typeface="Lilita One"/>
+              </a:rPr>
+              <a:t>&lt;</a:t>
+            </a:r>
+            <a:endParaRPr sz="2000" b="1">
+              <a:latin typeface="Lilita One"/>
+              <a:ea typeface="Lilita One"/>
+              <a:cs typeface="Lilita One"/>
+              <a:sym typeface="Lilita One"/>
+            </a:endParaRPr>
+          </a:p>
+        </p:txBody>
+      </p:sp>
+      <p:sp>
+        <p:nvSpPr>
+          <p:cNvPr id="947" name="Google Shape;947;p69">
+            <a:hlinkClick r:id="" action="ppaction://hlinkshowjump?jump=nextslide"/>
+          </p:cNvPr>
+          <p:cNvSpPr/>
+          <p:nvPr/>
+        </p:nvSpPr>
+        <p:spPr>
+          <a:xfrm flipH="1">
+            <a:off x="4994579" y="184075"/>
+            <a:ext cx="285600" cy="252000"/>
+          </a:xfrm>
+          <a:prstGeom prst="roundRect">
+            <a:avLst>
+              <a:gd name="adj" fmla="val 16667"/>
+            </a:avLst>
+          </a:prstGeom>
+          <a:solidFill>
+            <a:schemeClr val="lt1"/>
+          </a:solidFill>
+          <a:ln>
+            <a:noFill/>
+          </a:ln>
+        </p:spPr>
+        <p:txBody>
+          <a:bodyPr spcFirstLastPara="1" wrap="square" lIns="0" tIns="0" rIns="0" bIns="0" anchor="ctr" anchorCtr="0">
+            <a:noAutofit/>
+          </a:bodyPr>
+          <a:lstStyle/>
+          <a:p>
+            <a:pPr marL="0" lvl="0" indent="0" algn="ctr" rtl="0">
+              <a:spcBef>
+                <a:spcPts val="0"/>
+              </a:spcBef>
+              <a:spcAft>
+                <a:spcPts val="0"/>
+              </a:spcAft>
+              <a:buNone/>
+            </a:pPr>
+            <a:r>
+              <a:rPr lang="en" sz="2000" b="1" dirty="0">
+                <a:latin typeface="Lilita One"/>
+                <a:ea typeface="Lilita One"/>
+                <a:cs typeface="Lilita One"/>
+                <a:sym typeface="Lilita One"/>
+              </a:rPr>
+              <a:t>&gt;</a:t>
+            </a:r>
+            <a:endParaRPr sz="2000" b="1" dirty="0">
+              <a:latin typeface="Lilita One"/>
+              <a:ea typeface="Lilita One"/>
+              <a:cs typeface="Lilita One"/>
+              <a:sym typeface="Lilita One"/>
+            </a:endParaRPr>
+          </a:p>
+        </p:txBody>
+      </p:sp>
+      <p:sp>
+        <p:nvSpPr>
+          <p:cNvPr id="17" name="Google Shape;920;p69">
+            <a:extLst>
+              <a:ext uri="{FF2B5EF4-FFF2-40B4-BE49-F238E27FC236}">
+                <a16:creationId xmlns:a16="http://schemas.microsoft.com/office/drawing/2014/main" id="{B0B27427-1401-4308-A936-46B27F290882}"/>
+              </a:ext>
+            </a:extLst>
+          </p:cNvPr>
+          <p:cNvSpPr txBox="1">
+            <a:spLocks noGrp="1"/>
+          </p:cNvSpPr>
+          <p:nvPr>
+            <p:ph type="title"/>
+          </p:nvPr>
+        </p:nvSpPr>
+        <p:spPr>
+          <a:xfrm>
+            <a:off x="449813" y="607300"/>
+            <a:ext cx="7399200" cy="572700"/>
+          </a:xfrm>
+          <a:prstGeom prst="rect">
+            <a:avLst/>
+          </a:prstGeom>
+        </p:spPr>
+        <p:txBody>
+          <a:bodyPr spcFirstLastPara="1" wrap="square" lIns="91425" tIns="91425" rIns="91425" bIns="91425" anchor="ctr" anchorCtr="0">
+            <a:noAutofit/>
+          </a:bodyPr>
+          <a:lstStyle/>
+          <a:p>
+            <a:pPr marL="0" lvl="0" indent="0" algn="l" rtl="0">
+              <a:spcBef>
+                <a:spcPts val="0"/>
+              </a:spcBef>
+              <a:spcAft>
+                <a:spcPts val="0"/>
+              </a:spcAft>
+              <a:buNone/>
+            </a:pPr>
+            <a:r>
+              <a:rPr lang="en-US" dirty="0"/>
               <a:t>How recursion works</a:t>
             </a:r>
             <a:endParaRPr dirty="0"/>
+          </a:p>
+        </p:txBody>
+      </p:sp>
+      <p:sp>
+        <p:nvSpPr>
+          <p:cNvPr id="10" name="TextBox 9">
+            <a:extLst>
+              <a:ext uri="{FF2B5EF4-FFF2-40B4-BE49-F238E27FC236}">
+                <a16:creationId xmlns:a16="http://schemas.microsoft.com/office/drawing/2014/main" id="{9650A16F-9C49-4924-B530-38A2D6DFF32E}"/>
+              </a:ext>
+            </a:extLst>
+          </p:cNvPr>
+          <p:cNvSpPr txBox="1"/>
+          <p:nvPr/>
+        </p:nvSpPr>
+        <p:spPr>
+          <a:xfrm>
+            <a:off x="648099" y="2150447"/>
+            <a:ext cx="8263574" cy="1600438"/>
+          </a:xfrm>
+          <a:prstGeom prst="rect">
+            <a:avLst/>
+          </a:prstGeom>
+          <a:noFill/>
+        </p:spPr>
+        <p:txBody>
+          <a:bodyPr wrap="square">
+            <a:spAutoFit/>
+          </a:bodyPr>
+          <a:lstStyle/>
+          <a:p>
+            <a:pPr marL="285750" indent="-285750">
+              <a:buFont typeface="Arial" panose="020B0604020202020204" pitchFamily="34" charset="0"/>
+              <a:buChar char="•"/>
+            </a:pPr>
+            <a:r>
+              <a:rPr lang="en-US" b="1" dirty="0"/>
+              <a:t>Space Efficiency: </a:t>
+            </a:r>
+            <a:r>
+              <a:rPr lang="en-US" dirty="0"/>
+              <a:t>Recursive algorithms can be less space-efficient due to the overhead of maintaining the call stack. Each recursive call consumes stack memory, which can lead to stack overflow if the recursion depth is too large.</a:t>
+            </a:r>
+          </a:p>
+          <a:p>
+            <a:pPr marL="285750" indent="-285750">
+              <a:buFont typeface="Arial" panose="020B0604020202020204" pitchFamily="34" charset="0"/>
+              <a:buChar char="•"/>
+            </a:pPr>
+            <a:endParaRPr lang="en-US" dirty="0"/>
+          </a:p>
+          <a:p>
+            <a:pPr marL="285750" indent="-285750">
+              <a:buFont typeface="Arial" panose="020B0604020202020204" pitchFamily="34" charset="0"/>
+              <a:buChar char="•"/>
+            </a:pPr>
+            <a:r>
+              <a:rPr lang="en-US" b="1" dirty="0"/>
+              <a:t>Time Efficiency: </a:t>
+            </a:r>
+            <a:r>
+              <a:rPr lang="en-US" dirty="0"/>
+              <a:t>Recursion can simplify code and reduce the number of operations needed, potentially leading to more elegant and sometimes faster solutions, especially when sub-problems overlap, as in dynamic programming with memorization.</a:t>
+            </a:r>
+          </a:p>
+        </p:txBody>
+      </p:sp>
+      <p:sp>
+        <p:nvSpPr>
+          <p:cNvPr id="11" name="TextBox 10">
+            <a:extLst>
+              <a:ext uri="{FF2B5EF4-FFF2-40B4-BE49-F238E27FC236}">
+                <a16:creationId xmlns:a16="http://schemas.microsoft.com/office/drawing/2014/main" id="{DAD4BA68-8FE3-422C-8ACE-A041E588BFD7}"/>
+              </a:ext>
+            </a:extLst>
+          </p:cNvPr>
+          <p:cNvSpPr txBox="1"/>
+          <p:nvPr/>
+        </p:nvSpPr>
+        <p:spPr>
+          <a:xfrm>
+            <a:off x="328526" y="1357446"/>
+            <a:ext cx="8486948" cy="307777"/>
+          </a:xfrm>
+          <a:prstGeom prst="rect">
+            <a:avLst/>
+          </a:prstGeom>
+          <a:noFill/>
+        </p:spPr>
+        <p:txBody>
+          <a:bodyPr wrap="square">
+            <a:spAutoFit/>
+          </a:bodyPr>
+          <a:lstStyle/>
+          <a:p>
+            <a:r>
+              <a:rPr lang="en-US" b="1" dirty="0"/>
+              <a:t>Recursion basically puts the function into the stack then calls itself</a:t>
+            </a:r>
           </a:p>
         </p:txBody>
       </p:sp>
@@ -23077,7 +24025,825 @@
 </p:sld>
 </file>
 
-<file path=ppt/slides/slide16.xml><?xml version="1.0" encoding="utf-8"?>
+<file path=ppt/slides/slide17.xml><?xml version="1.0" encoding="utf-8"?>
+<p:sld xmlns:a="http://schemas.openxmlformats.org/drawingml/2006/main" xmlns:r="http://schemas.openxmlformats.org/officeDocument/2006/relationships" xmlns:p="http://schemas.openxmlformats.org/presentationml/2006/main">
+  <p:cSld>
+    <p:spTree>
+      <p:nvGrpSpPr>
+        <p:cNvPr id="1" name="Shape 917"/>
+        <p:cNvGrpSpPr/>
+        <p:nvPr/>
+      </p:nvGrpSpPr>
+      <p:grpSpPr>
+        <a:xfrm>
+          <a:off x="0" y="0"/>
+          <a:ext cx="0" cy="0"/>
+          <a:chOff x="0" y="0"/>
+          <a:chExt cx="0" cy="0"/>
+        </a:xfrm>
+      </p:grpSpPr>
+      <p:sp>
+        <p:nvSpPr>
+          <p:cNvPr id="944" name="Google Shape;944;p69">
+            <a:hlinkClick r:id="rId3" action="ppaction://hlinksldjump"/>
+          </p:cNvPr>
+          <p:cNvSpPr/>
+          <p:nvPr/>
+        </p:nvSpPr>
+        <p:spPr>
+          <a:xfrm>
+            <a:off x="4637086" y="184075"/>
+            <a:ext cx="285600" cy="252000"/>
+          </a:xfrm>
+          <a:prstGeom prst="roundRect">
+            <a:avLst>
+              <a:gd name="adj" fmla="val 16667"/>
+            </a:avLst>
+          </a:prstGeom>
+          <a:solidFill>
+            <a:schemeClr val="lt1"/>
+          </a:solidFill>
+          <a:ln w="19050" cap="flat" cmpd="sng">
+            <a:solidFill>
+              <a:schemeClr val="dk1"/>
+            </a:solidFill>
+            <a:prstDash val="solid"/>
+            <a:round/>
+            <a:headEnd type="none" w="sm" len="sm"/>
+            <a:tailEnd type="none" w="sm" len="sm"/>
+          </a:ln>
+        </p:spPr>
+        <p:txBody>
+          <a:bodyPr spcFirstLastPara="1" wrap="square" lIns="0" tIns="0" rIns="0" bIns="0" anchor="ctr" anchorCtr="0">
+            <a:noAutofit/>
+          </a:bodyPr>
+          <a:lstStyle/>
+          <a:p>
+            <a:pPr marL="0" lvl="0" indent="0" algn="ctr" rtl="0">
+              <a:spcBef>
+                <a:spcPts val="0"/>
+              </a:spcBef>
+              <a:spcAft>
+                <a:spcPts val="0"/>
+              </a:spcAft>
+              <a:buNone/>
+            </a:pPr>
+            <a:r>
+              <a:rPr lang="en-US" dirty="0">
+                <a:latin typeface="Lilita One"/>
+                <a:ea typeface="Lilita One"/>
+                <a:cs typeface="Lilita One"/>
+                <a:sym typeface="Lilita One"/>
+              </a:rPr>
+              <a:t>3</a:t>
+            </a:r>
+            <a:endParaRPr dirty="0">
+              <a:latin typeface="Lilita One"/>
+              <a:ea typeface="Lilita One"/>
+              <a:cs typeface="Lilita One"/>
+              <a:sym typeface="Lilita One"/>
+            </a:endParaRPr>
+          </a:p>
+        </p:txBody>
+      </p:sp>
+      <p:sp>
+        <p:nvSpPr>
+          <p:cNvPr id="945" name="Google Shape;945;p69">
+            <a:hlinkClick r:id="rId4" action="ppaction://hlinksldjump"/>
+          </p:cNvPr>
+          <p:cNvSpPr/>
+          <p:nvPr/>
+        </p:nvSpPr>
+        <p:spPr>
+          <a:xfrm>
+            <a:off x="4229891" y="184075"/>
+            <a:ext cx="285600" cy="252000"/>
+          </a:xfrm>
+          <a:prstGeom prst="roundRect">
+            <a:avLst>
+              <a:gd name="adj" fmla="val 16667"/>
+            </a:avLst>
+          </a:prstGeom>
+          <a:solidFill>
+            <a:schemeClr val="lt1"/>
+          </a:solidFill>
+          <a:ln w="19050" cap="flat" cmpd="sng">
+            <a:solidFill>
+              <a:schemeClr val="dk1"/>
+            </a:solidFill>
+            <a:prstDash val="solid"/>
+            <a:round/>
+            <a:headEnd type="none" w="sm" len="sm"/>
+            <a:tailEnd type="none" w="sm" len="sm"/>
+          </a:ln>
+        </p:spPr>
+        <p:txBody>
+          <a:bodyPr spcFirstLastPara="1" wrap="square" lIns="0" tIns="0" rIns="0" bIns="0" anchor="ctr" anchorCtr="0">
+            <a:noAutofit/>
+          </a:bodyPr>
+          <a:lstStyle/>
+          <a:p>
+            <a:pPr marL="0" lvl="0" indent="0" algn="ctr" rtl="0">
+              <a:spcBef>
+                <a:spcPts val="0"/>
+              </a:spcBef>
+              <a:spcAft>
+                <a:spcPts val="0"/>
+              </a:spcAft>
+              <a:buNone/>
+            </a:pPr>
+            <a:r>
+              <a:rPr lang="en">
+                <a:latin typeface="Lilita One"/>
+                <a:ea typeface="Lilita One"/>
+                <a:cs typeface="Lilita One"/>
+                <a:sym typeface="Lilita One"/>
+              </a:rPr>
+              <a:t>T</a:t>
+            </a:r>
+            <a:endParaRPr>
+              <a:latin typeface="Lilita One"/>
+              <a:ea typeface="Lilita One"/>
+              <a:cs typeface="Lilita One"/>
+              <a:sym typeface="Lilita One"/>
+            </a:endParaRPr>
+          </a:p>
+        </p:txBody>
+      </p:sp>
+      <p:sp>
+        <p:nvSpPr>
+          <p:cNvPr id="946" name="Google Shape;946;p69">
+            <a:hlinkClick r:id="" action="ppaction://hlinkshowjump?jump=previousslide"/>
+          </p:cNvPr>
+          <p:cNvSpPr/>
+          <p:nvPr/>
+        </p:nvSpPr>
+        <p:spPr>
+          <a:xfrm flipH="1">
+            <a:off x="3863813" y="184075"/>
+            <a:ext cx="285600" cy="252000"/>
+          </a:xfrm>
+          <a:prstGeom prst="roundRect">
+            <a:avLst>
+              <a:gd name="adj" fmla="val 16667"/>
+            </a:avLst>
+          </a:prstGeom>
+          <a:solidFill>
+            <a:schemeClr val="lt1"/>
+          </a:solidFill>
+          <a:ln>
+            <a:noFill/>
+          </a:ln>
+        </p:spPr>
+        <p:txBody>
+          <a:bodyPr spcFirstLastPara="1" wrap="square" lIns="0" tIns="0" rIns="0" bIns="0" anchor="ctr" anchorCtr="0">
+            <a:noAutofit/>
+          </a:bodyPr>
+          <a:lstStyle/>
+          <a:p>
+            <a:pPr marL="0" lvl="0" indent="0" algn="ctr" rtl="0">
+              <a:spcBef>
+                <a:spcPts val="0"/>
+              </a:spcBef>
+              <a:spcAft>
+                <a:spcPts val="0"/>
+              </a:spcAft>
+              <a:buNone/>
+            </a:pPr>
+            <a:r>
+              <a:rPr lang="en" sz="2000" b="1">
+                <a:latin typeface="Lilita One"/>
+                <a:ea typeface="Lilita One"/>
+                <a:cs typeface="Lilita One"/>
+                <a:sym typeface="Lilita One"/>
+              </a:rPr>
+              <a:t>&lt;</a:t>
+            </a:r>
+            <a:endParaRPr sz="2000" b="1">
+              <a:latin typeface="Lilita One"/>
+              <a:ea typeface="Lilita One"/>
+              <a:cs typeface="Lilita One"/>
+              <a:sym typeface="Lilita One"/>
+            </a:endParaRPr>
+          </a:p>
+        </p:txBody>
+      </p:sp>
+      <p:sp>
+        <p:nvSpPr>
+          <p:cNvPr id="947" name="Google Shape;947;p69">
+            <a:hlinkClick r:id="" action="ppaction://hlinkshowjump?jump=nextslide"/>
+          </p:cNvPr>
+          <p:cNvSpPr/>
+          <p:nvPr/>
+        </p:nvSpPr>
+        <p:spPr>
+          <a:xfrm flipH="1">
+            <a:off x="4994579" y="184075"/>
+            <a:ext cx="285600" cy="252000"/>
+          </a:xfrm>
+          <a:prstGeom prst="roundRect">
+            <a:avLst>
+              <a:gd name="adj" fmla="val 16667"/>
+            </a:avLst>
+          </a:prstGeom>
+          <a:solidFill>
+            <a:schemeClr val="lt1"/>
+          </a:solidFill>
+          <a:ln>
+            <a:noFill/>
+          </a:ln>
+        </p:spPr>
+        <p:txBody>
+          <a:bodyPr spcFirstLastPara="1" wrap="square" lIns="0" tIns="0" rIns="0" bIns="0" anchor="ctr" anchorCtr="0">
+            <a:noAutofit/>
+          </a:bodyPr>
+          <a:lstStyle/>
+          <a:p>
+            <a:pPr marL="0" lvl="0" indent="0" algn="ctr" rtl="0">
+              <a:spcBef>
+                <a:spcPts val="0"/>
+              </a:spcBef>
+              <a:spcAft>
+                <a:spcPts val="0"/>
+              </a:spcAft>
+              <a:buNone/>
+            </a:pPr>
+            <a:r>
+              <a:rPr lang="en" sz="2000" b="1" dirty="0">
+                <a:latin typeface="Lilita One"/>
+                <a:ea typeface="Lilita One"/>
+                <a:cs typeface="Lilita One"/>
+                <a:sym typeface="Lilita One"/>
+              </a:rPr>
+              <a:t>&gt;</a:t>
+            </a:r>
+            <a:endParaRPr sz="2000" b="1" dirty="0">
+              <a:latin typeface="Lilita One"/>
+              <a:ea typeface="Lilita One"/>
+              <a:cs typeface="Lilita One"/>
+              <a:sym typeface="Lilita One"/>
+            </a:endParaRPr>
+          </a:p>
+        </p:txBody>
+      </p:sp>
+      <p:sp>
+        <p:nvSpPr>
+          <p:cNvPr id="17" name="Google Shape;920;p69">
+            <a:extLst>
+              <a:ext uri="{FF2B5EF4-FFF2-40B4-BE49-F238E27FC236}">
+                <a16:creationId xmlns:a16="http://schemas.microsoft.com/office/drawing/2014/main" id="{B0B27427-1401-4308-A936-46B27F290882}"/>
+              </a:ext>
+            </a:extLst>
+          </p:cNvPr>
+          <p:cNvSpPr txBox="1">
+            <a:spLocks noGrp="1"/>
+          </p:cNvSpPr>
+          <p:nvPr>
+            <p:ph type="title"/>
+          </p:nvPr>
+        </p:nvSpPr>
+        <p:spPr>
+          <a:xfrm>
+            <a:off x="449813" y="607300"/>
+            <a:ext cx="7399200" cy="572700"/>
+          </a:xfrm>
+          <a:prstGeom prst="rect">
+            <a:avLst/>
+          </a:prstGeom>
+        </p:spPr>
+        <p:txBody>
+          <a:bodyPr spcFirstLastPara="1" wrap="square" lIns="91425" tIns="91425" rIns="91425" bIns="91425" anchor="ctr" anchorCtr="0">
+            <a:noAutofit/>
+          </a:bodyPr>
+          <a:lstStyle/>
+          <a:p>
+            <a:pPr marL="0" lvl="0" indent="0" algn="l" rtl="0">
+              <a:spcBef>
+                <a:spcPts val="0"/>
+              </a:spcBef>
+              <a:spcAft>
+                <a:spcPts val="0"/>
+              </a:spcAft>
+              <a:buNone/>
+            </a:pPr>
+            <a:r>
+              <a:rPr lang="en-US" dirty="0"/>
+              <a:t>How recursion works</a:t>
+            </a:r>
+            <a:endParaRPr dirty="0"/>
+          </a:p>
+        </p:txBody>
+      </p:sp>
+      <p:sp>
+        <p:nvSpPr>
+          <p:cNvPr id="10" name="TextBox 9">
+            <a:extLst>
+              <a:ext uri="{FF2B5EF4-FFF2-40B4-BE49-F238E27FC236}">
+                <a16:creationId xmlns:a16="http://schemas.microsoft.com/office/drawing/2014/main" id="{9650A16F-9C49-4924-B530-38A2D6DFF32E}"/>
+              </a:ext>
+            </a:extLst>
+          </p:cNvPr>
+          <p:cNvSpPr txBox="1"/>
+          <p:nvPr/>
+        </p:nvSpPr>
+        <p:spPr>
+          <a:xfrm>
+            <a:off x="1194875" y="1448365"/>
+            <a:ext cx="5236405" cy="2246769"/>
+          </a:xfrm>
+          <a:prstGeom prst="rect">
+            <a:avLst/>
+          </a:prstGeom>
+          <a:noFill/>
+        </p:spPr>
+        <p:txBody>
+          <a:bodyPr wrap="square">
+            <a:spAutoFit/>
+          </a:bodyPr>
+          <a:lstStyle/>
+          <a:p>
+            <a:r>
+              <a:rPr lang="en-US" dirty="0"/>
+              <a:t>#include &lt;iostream&gt;</a:t>
+            </a:r>
+          </a:p>
+          <a:p>
+            <a:endParaRPr lang="en-US" dirty="0"/>
+          </a:p>
+          <a:p>
+            <a:r>
+              <a:rPr lang="en-US" dirty="0"/>
+              <a:t>int factorial(int n) {</a:t>
+            </a:r>
+          </a:p>
+          <a:p>
+            <a:r>
+              <a:rPr lang="en-US" dirty="0"/>
+              <a:t>    if (n &lt;= 1) {</a:t>
+            </a:r>
+          </a:p>
+          <a:p>
+            <a:r>
+              <a:rPr lang="en-US" dirty="0"/>
+              <a:t>        return 1;  // Base case: factorial of 0 or 1 is 1</a:t>
+            </a:r>
+          </a:p>
+          <a:p>
+            <a:r>
+              <a:rPr lang="en-US" dirty="0"/>
+              <a:t>    } else {</a:t>
+            </a:r>
+          </a:p>
+          <a:p>
+            <a:r>
+              <a:rPr lang="en-US" dirty="0"/>
+              <a:t>        return n * factorial(n - 1);  // Recursive case: n! = n * (n-1)!</a:t>
+            </a:r>
+          </a:p>
+          <a:p>
+            <a:r>
+              <a:rPr lang="en-US" dirty="0"/>
+              <a:t>    }</a:t>
+            </a:r>
+          </a:p>
+          <a:p>
+            <a:r>
+              <a:rPr lang="en-US" dirty="0"/>
+              <a:t>}</a:t>
+            </a:r>
+          </a:p>
+          <a:p>
+            <a:endParaRPr lang="en-US" dirty="0"/>
+          </a:p>
+        </p:txBody>
+      </p:sp>
+    </p:spTree>
+    <p:extLst>
+      <p:ext uri="{BB962C8B-B14F-4D97-AF65-F5344CB8AC3E}">
+        <p14:creationId xmlns:p14="http://schemas.microsoft.com/office/powerpoint/2010/main" val="2682300977"/>
+      </p:ext>
+    </p:extLst>
+  </p:cSld>
+  <p:clrMapOvr>
+    <a:masterClrMapping/>
+  </p:clrMapOvr>
+</p:sld>
+</file>
+
+<file path=ppt/slides/slide18.xml><?xml version="1.0" encoding="utf-8"?>
+<p:sld xmlns:a="http://schemas.openxmlformats.org/drawingml/2006/main" xmlns:r="http://schemas.openxmlformats.org/officeDocument/2006/relationships" xmlns:p="http://schemas.openxmlformats.org/presentationml/2006/main" show="0">
+  <p:cSld>
+    <p:spTree>
+      <p:nvGrpSpPr>
+        <p:cNvPr id="1" name="Shape 917"/>
+        <p:cNvGrpSpPr/>
+        <p:nvPr/>
+      </p:nvGrpSpPr>
+      <p:grpSpPr>
+        <a:xfrm>
+          <a:off x="0" y="0"/>
+          <a:ext cx="0" cy="0"/>
+          <a:chOff x="0" y="0"/>
+          <a:chExt cx="0" cy="0"/>
+        </a:xfrm>
+      </p:grpSpPr>
+      <p:sp>
+        <p:nvSpPr>
+          <p:cNvPr id="944" name="Google Shape;944;p69">
+            <a:hlinkClick r:id="rId3" action="ppaction://hlinksldjump"/>
+          </p:cNvPr>
+          <p:cNvSpPr/>
+          <p:nvPr/>
+        </p:nvSpPr>
+        <p:spPr>
+          <a:xfrm>
+            <a:off x="4637086" y="184075"/>
+            <a:ext cx="285600" cy="252000"/>
+          </a:xfrm>
+          <a:prstGeom prst="roundRect">
+            <a:avLst>
+              <a:gd name="adj" fmla="val 16667"/>
+            </a:avLst>
+          </a:prstGeom>
+          <a:solidFill>
+            <a:schemeClr val="lt1"/>
+          </a:solidFill>
+          <a:ln w="19050" cap="flat" cmpd="sng">
+            <a:solidFill>
+              <a:schemeClr val="dk1"/>
+            </a:solidFill>
+            <a:prstDash val="solid"/>
+            <a:round/>
+            <a:headEnd type="none" w="sm" len="sm"/>
+            <a:tailEnd type="none" w="sm" len="sm"/>
+          </a:ln>
+        </p:spPr>
+        <p:txBody>
+          <a:bodyPr spcFirstLastPara="1" wrap="square" lIns="0" tIns="0" rIns="0" bIns="0" anchor="ctr" anchorCtr="0">
+            <a:noAutofit/>
+          </a:bodyPr>
+          <a:lstStyle/>
+          <a:p>
+            <a:pPr marL="0" lvl="0" indent="0" algn="ctr" rtl="0">
+              <a:spcBef>
+                <a:spcPts val="0"/>
+              </a:spcBef>
+              <a:spcAft>
+                <a:spcPts val="0"/>
+              </a:spcAft>
+              <a:buNone/>
+            </a:pPr>
+            <a:r>
+              <a:rPr lang="en-US" dirty="0">
+                <a:latin typeface="Lilita One"/>
+                <a:ea typeface="Lilita One"/>
+                <a:cs typeface="Lilita One"/>
+                <a:sym typeface="Lilita One"/>
+              </a:rPr>
+              <a:t>3</a:t>
+            </a:r>
+            <a:endParaRPr dirty="0">
+              <a:latin typeface="Lilita One"/>
+              <a:ea typeface="Lilita One"/>
+              <a:cs typeface="Lilita One"/>
+              <a:sym typeface="Lilita One"/>
+            </a:endParaRPr>
+          </a:p>
+        </p:txBody>
+      </p:sp>
+      <p:sp>
+        <p:nvSpPr>
+          <p:cNvPr id="945" name="Google Shape;945;p69">
+            <a:hlinkClick r:id="rId4" action="ppaction://hlinksldjump"/>
+          </p:cNvPr>
+          <p:cNvSpPr/>
+          <p:nvPr/>
+        </p:nvSpPr>
+        <p:spPr>
+          <a:xfrm>
+            <a:off x="4229891" y="184075"/>
+            <a:ext cx="285600" cy="252000"/>
+          </a:xfrm>
+          <a:prstGeom prst="roundRect">
+            <a:avLst>
+              <a:gd name="adj" fmla="val 16667"/>
+            </a:avLst>
+          </a:prstGeom>
+          <a:solidFill>
+            <a:schemeClr val="lt1"/>
+          </a:solidFill>
+          <a:ln w="19050" cap="flat" cmpd="sng">
+            <a:solidFill>
+              <a:schemeClr val="dk1"/>
+            </a:solidFill>
+            <a:prstDash val="solid"/>
+            <a:round/>
+            <a:headEnd type="none" w="sm" len="sm"/>
+            <a:tailEnd type="none" w="sm" len="sm"/>
+          </a:ln>
+        </p:spPr>
+        <p:txBody>
+          <a:bodyPr spcFirstLastPara="1" wrap="square" lIns="0" tIns="0" rIns="0" bIns="0" anchor="ctr" anchorCtr="0">
+            <a:noAutofit/>
+          </a:bodyPr>
+          <a:lstStyle/>
+          <a:p>
+            <a:pPr marL="0" lvl="0" indent="0" algn="ctr" rtl="0">
+              <a:spcBef>
+                <a:spcPts val="0"/>
+              </a:spcBef>
+              <a:spcAft>
+                <a:spcPts val="0"/>
+              </a:spcAft>
+              <a:buNone/>
+            </a:pPr>
+            <a:r>
+              <a:rPr lang="en">
+                <a:latin typeface="Lilita One"/>
+                <a:ea typeface="Lilita One"/>
+                <a:cs typeface="Lilita One"/>
+                <a:sym typeface="Lilita One"/>
+              </a:rPr>
+              <a:t>T</a:t>
+            </a:r>
+            <a:endParaRPr>
+              <a:latin typeface="Lilita One"/>
+              <a:ea typeface="Lilita One"/>
+              <a:cs typeface="Lilita One"/>
+              <a:sym typeface="Lilita One"/>
+            </a:endParaRPr>
+          </a:p>
+        </p:txBody>
+      </p:sp>
+      <p:sp>
+        <p:nvSpPr>
+          <p:cNvPr id="946" name="Google Shape;946;p69">
+            <a:hlinkClick r:id="" action="ppaction://hlinkshowjump?jump=previousslide"/>
+          </p:cNvPr>
+          <p:cNvSpPr/>
+          <p:nvPr/>
+        </p:nvSpPr>
+        <p:spPr>
+          <a:xfrm flipH="1">
+            <a:off x="3863813" y="184075"/>
+            <a:ext cx="285600" cy="252000"/>
+          </a:xfrm>
+          <a:prstGeom prst="roundRect">
+            <a:avLst>
+              <a:gd name="adj" fmla="val 16667"/>
+            </a:avLst>
+          </a:prstGeom>
+          <a:solidFill>
+            <a:schemeClr val="lt1"/>
+          </a:solidFill>
+          <a:ln>
+            <a:noFill/>
+          </a:ln>
+        </p:spPr>
+        <p:txBody>
+          <a:bodyPr spcFirstLastPara="1" wrap="square" lIns="0" tIns="0" rIns="0" bIns="0" anchor="ctr" anchorCtr="0">
+            <a:noAutofit/>
+          </a:bodyPr>
+          <a:lstStyle/>
+          <a:p>
+            <a:pPr marL="0" lvl="0" indent="0" algn="ctr" rtl="0">
+              <a:spcBef>
+                <a:spcPts val="0"/>
+              </a:spcBef>
+              <a:spcAft>
+                <a:spcPts val="0"/>
+              </a:spcAft>
+              <a:buNone/>
+            </a:pPr>
+            <a:r>
+              <a:rPr lang="en" sz="2000" b="1">
+                <a:latin typeface="Lilita One"/>
+                <a:ea typeface="Lilita One"/>
+                <a:cs typeface="Lilita One"/>
+                <a:sym typeface="Lilita One"/>
+              </a:rPr>
+              <a:t>&lt;</a:t>
+            </a:r>
+            <a:endParaRPr sz="2000" b="1">
+              <a:latin typeface="Lilita One"/>
+              <a:ea typeface="Lilita One"/>
+              <a:cs typeface="Lilita One"/>
+              <a:sym typeface="Lilita One"/>
+            </a:endParaRPr>
+          </a:p>
+        </p:txBody>
+      </p:sp>
+      <p:sp>
+        <p:nvSpPr>
+          <p:cNvPr id="947" name="Google Shape;947;p69">
+            <a:hlinkClick r:id="" action="ppaction://hlinkshowjump?jump=nextslide"/>
+          </p:cNvPr>
+          <p:cNvSpPr/>
+          <p:nvPr/>
+        </p:nvSpPr>
+        <p:spPr>
+          <a:xfrm flipH="1">
+            <a:off x="4994579" y="184075"/>
+            <a:ext cx="285600" cy="252000"/>
+          </a:xfrm>
+          <a:prstGeom prst="roundRect">
+            <a:avLst>
+              <a:gd name="adj" fmla="val 16667"/>
+            </a:avLst>
+          </a:prstGeom>
+          <a:solidFill>
+            <a:schemeClr val="lt1"/>
+          </a:solidFill>
+          <a:ln>
+            <a:noFill/>
+          </a:ln>
+        </p:spPr>
+        <p:txBody>
+          <a:bodyPr spcFirstLastPara="1" wrap="square" lIns="0" tIns="0" rIns="0" bIns="0" anchor="ctr" anchorCtr="0">
+            <a:noAutofit/>
+          </a:bodyPr>
+          <a:lstStyle/>
+          <a:p>
+            <a:pPr marL="0" lvl="0" indent="0" algn="ctr" rtl="0">
+              <a:spcBef>
+                <a:spcPts val="0"/>
+              </a:spcBef>
+              <a:spcAft>
+                <a:spcPts val="0"/>
+              </a:spcAft>
+              <a:buNone/>
+            </a:pPr>
+            <a:r>
+              <a:rPr lang="en" sz="2000" b="1" dirty="0">
+                <a:latin typeface="Lilita One"/>
+                <a:ea typeface="Lilita One"/>
+                <a:cs typeface="Lilita One"/>
+                <a:sym typeface="Lilita One"/>
+              </a:rPr>
+              <a:t>&gt;</a:t>
+            </a:r>
+            <a:endParaRPr sz="2000" b="1" dirty="0">
+              <a:latin typeface="Lilita One"/>
+              <a:ea typeface="Lilita One"/>
+              <a:cs typeface="Lilita One"/>
+              <a:sym typeface="Lilita One"/>
+            </a:endParaRPr>
+          </a:p>
+        </p:txBody>
+      </p:sp>
+      <p:sp>
+        <p:nvSpPr>
+          <p:cNvPr id="17" name="Google Shape;920;p69">
+            <a:extLst>
+              <a:ext uri="{FF2B5EF4-FFF2-40B4-BE49-F238E27FC236}">
+                <a16:creationId xmlns:a16="http://schemas.microsoft.com/office/drawing/2014/main" id="{B0B27427-1401-4308-A936-46B27F290882}"/>
+              </a:ext>
+            </a:extLst>
+          </p:cNvPr>
+          <p:cNvSpPr txBox="1">
+            <a:spLocks noGrp="1"/>
+          </p:cNvSpPr>
+          <p:nvPr>
+            <p:ph type="title"/>
+          </p:nvPr>
+        </p:nvSpPr>
+        <p:spPr>
+          <a:xfrm>
+            <a:off x="449813" y="607300"/>
+            <a:ext cx="7399200" cy="572700"/>
+          </a:xfrm>
+          <a:prstGeom prst="rect">
+            <a:avLst/>
+          </a:prstGeom>
+        </p:spPr>
+        <p:txBody>
+          <a:bodyPr spcFirstLastPara="1" wrap="square" lIns="91425" tIns="91425" rIns="91425" bIns="91425" anchor="ctr" anchorCtr="0">
+            <a:noAutofit/>
+          </a:bodyPr>
+          <a:lstStyle/>
+          <a:p>
+            <a:pPr marL="0" lvl="0" indent="0" algn="l" rtl="0">
+              <a:spcBef>
+                <a:spcPts val="0"/>
+              </a:spcBef>
+              <a:spcAft>
+                <a:spcPts val="0"/>
+              </a:spcAft>
+              <a:buNone/>
+            </a:pPr>
+            <a:r>
+              <a:rPr lang="en-US" dirty="0"/>
+              <a:t>Tail Call Optimization</a:t>
+            </a:r>
+            <a:endParaRPr dirty="0"/>
+          </a:p>
+        </p:txBody>
+      </p:sp>
+      <p:sp>
+        <p:nvSpPr>
+          <p:cNvPr id="10" name="TextBox 9">
+            <a:extLst>
+              <a:ext uri="{FF2B5EF4-FFF2-40B4-BE49-F238E27FC236}">
+                <a16:creationId xmlns:a16="http://schemas.microsoft.com/office/drawing/2014/main" id="{9650A16F-9C49-4924-B530-38A2D6DFF32E}"/>
+              </a:ext>
+            </a:extLst>
+          </p:cNvPr>
+          <p:cNvSpPr txBox="1"/>
+          <p:nvPr/>
+        </p:nvSpPr>
+        <p:spPr>
+          <a:xfrm>
+            <a:off x="2519176" y="2353622"/>
+            <a:ext cx="5236405" cy="1169551"/>
+          </a:xfrm>
+          <a:prstGeom prst="rect">
+            <a:avLst/>
+          </a:prstGeom>
+          <a:noFill/>
+        </p:spPr>
+        <p:txBody>
+          <a:bodyPr wrap="square">
+            <a:spAutoFit/>
+          </a:bodyPr>
+          <a:lstStyle/>
+          <a:p>
+            <a:r>
+              <a:rPr lang="en-US" dirty="0"/>
+              <a:t>int factorial(int n, int accumulator = 1) {</a:t>
+            </a:r>
+          </a:p>
+          <a:p>
+            <a:r>
+              <a:rPr lang="en-US" dirty="0"/>
+              <a:t>    if (n == 0) return accumulator;</a:t>
+            </a:r>
+          </a:p>
+          <a:p>
+            <a:r>
+              <a:rPr lang="en-US" dirty="0"/>
+              <a:t>    return factorial(n - 1, n * accumulator); // Tail call</a:t>
+            </a:r>
+          </a:p>
+          <a:p>
+            <a:r>
+              <a:rPr lang="en-US" dirty="0"/>
+              <a:t>}</a:t>
+            </a:r>
+          </a:p>
+          <a:p>
+            <a:endParaRPr lang="en-US" dirty="0"/>
+          </a:p>
+        </p:txBody>
+      </p:sp>
+      <p:sp>
+        <p:nvSpPr>
+          <p:cNvPr id="8" name="TextBox 7">
+            <a:extLst>
+              <a:ext uri="{FF2B5EF4-FFF2-40B4-BE49-F238E27FC236}">
+                <a16:creationId xmlns:a16="http://schemas.microsoft.com/office/drawing/2014/main" id="{FF14359C-F85A-402A-9E8E-3A3B535BE84A}"/>
+              </a:ext>
+            </a:extLst>
+          </p:cNvPr>
+          <p:cNvSpPr txBox="1"/>
+          <p:nvPr/>
+        </p:nvSpPr>
+        <p:spPr>
+          <a:xfrm>
+            <a:off x="533400" y="1312551"/>
+            <a:ext cx="7743443" cy="523220"/>
+          </a:xfrm>
+          <a:prstGeom prst="rect">
+            <a:avLst/>
+          </a:prstGeom>
+          <a:noFill/>
+        </p:spPr>
+        <p:txBody>
+          <a:bodyPr wrap="square">
+            <a:spAutoFit/>
+          </a:bodyPr>
+          <a:lstStyle/>
+          <a:p>
+            <a:r>
+              <a:rPr lang="en-US" dirty="0"/>
+              <a:t>It removes the last entry from the stack. As it is not of any need. So the space complexity reduces.</a:t>
+            </a:r>
+          </a:p>
+        </p:txBody>
+      </p:sp>
+    </p:spTree>
+    <p:extLst>
+      <p:ext uri="{BB962C8B-B14F-4D97-AF65-F5344CB8AC3E}">
+        <p14:creationId xmlns:p14="http://schemas.microsoft.com/office/powerpoint/2010/main" val="147658082"/>
+      </p:ext>
+    </p:extLst>
+  </p:cSld>
+  <p:clrMapOvr>
+    <a:masterClrMapping/>
+  </p:clrMapOvr>
+</p:sld>
+</file>
+
+<file path=ppt/slides/slide19.xml><?xml version="1.0" encoding="utf-8"?>
 <p:sld xmlns:a="http://schemas.openxmlformats.org/drawingml/2006/main" xmlns:r="http://schemas.openxmlformats.org/officeDocument/2006/relationships" xmlns:p="http://schemas.openxmlformats.org/presentationml/2006/main">
   <p:cSld>
     <p:spTree>

--- a/Lecture 3/3. Recursion, Iteration, Time Space Trade off.pptx
+++ b/Lecture 3/3. Recursion, Iteration, Time Space Trade off.pptx
@@ -28100,7 +28100,7 @@
             <a:pPr marL="482600" lvl="1" indent="0"/>
             <a:r>
               <a:rPr lang="nn-NO" sz="1400" dirty="0"/>
-              <a:t>    cout &lt;&lt; i &lt;&lt; endl;</a:t>
+              <a:t>    printf(%d, i);</a:t>
             </a:r>
           </a:p>
           <a:p>
@@ -28222,44 +28222,15 @@
               <a:rPr lang="en-US" dirty="0">
                 <a:latin typeface="Mulish" panose="020B0604020202020204" charset="0"/>
               </a:rPr>
-              <a:t>    </a:t>
+              <a:t>	</a:t>
             </a:r>
             <a:r>
-              <a:rPr lang="en-US" dirty="0" err="1">
-                <a:latin typeface="Mulish" panose="020B0604020202020204" charset="0"/>
-              </a:rPr>
-              <a:t>cout</a:t>
+              <a:rPr lang="nn-NO" sz="1400" dirty="0"/>
+              <a:t> printf(%d, i);</a:t>
             </a:r>
-            <a:r>
-              <a:rPr lang="en-US" dirty="0">
-                <a:latin typeface="Mulish" panose="020B0604020202020204" charset="0"/>
-              </a:rPr>
-              <a:t> &lt;&lt; </a:t>
-            </a:r>
-            <a:r>
-              <a:rPr lang="en-US" dirty="0" err="1">
-                <a:latin typeface="Mulish" panose="020B0604020202020204" charset="0"/>
-              </a:rPr>
-              <a:t>i</a:t>
-            </a:r>
-            <a:r>
-              <a:rPr lang="en-US" dirty="0">
-                <a:latin typeface="Mulish" panose="020B0604020202020204" charset="0"/>
-              </a:rPr>
-              <a:t> &lt;&lt; </a:t>
-            </a:r>
-            <a:r>
-              <a:rPr lang="en-US" dirty="0" err="1">
-                <a:latin typeface="Mulish" panose="020B0604020202020204" charset="0"/>
-              </a:rPr>
-              <a:t>endl</a:t>
-            </a:r>
-            <a:r>
-              <a:rPr lang="en-US" dirty="0">
-                <a:latin typeface="Mulish" panose="020B0604020202020204" charset="0"/>
-              </a:rPr>
-              <a:t>;</a:t>
-            </a:r>
+            <a:endParaRPr lang="en-US" dirty="0">
+              <a:latin typeface="Mulish" panose="020B0604020202020204" charset="0"/>
+            </a:endParaRPr>
           </a:p>
           <a:p>
             <a:pPr marL="800100" lvl="1"/>
@@ -28380,47 +28351,12 @@
           <a:p>
             <a:pPr marL="800100" lvl="1"/>
             <a:r>
-              <a:rPr lang="en-US" dirty="0">
-                <a:latin typeface="Mulish" panose="020B0604020202020204" charset="0"/>
-              </a:rPr>
-              <a:t>    </a:t>
+              <a:rPr lang="nn-NO" sz="1400" dirty="0"/>
+              <a:t>	printf(%d, i);</a:t>
             </a:r>
-            <a:r>
-              <a:rPr lang="en-US" dirty="0" err="1">
-                <a:latin typeface="Mulish" panose="020B0604020202020204" charset="0"/>
-              </a:rPr>
-              <a:t>cout</a:t>
-            </a:r>
-            <a:r>
-              <a:rPr lang="en-US" dirty="0">
-                <a:latin typeface="Mulish" panose="020B0604020202020204" charset="0"/>
-              </a:rPr>
-              <a:t> &lt;&lt; </a:t>
-            </a:r>
-            <a:r>
-              <a:rPr lang="en-US" dirty="0" err="1">
-                <a:latin typeface="Mulish" panose="020B0604020202020204" charset="0"/>
-              </a:rPr>
-              <a:t>i</a:t>
-            </a:r>
-            <a:r>
-              <a:rPr lang="en-US" dirty="0">
-                <a:latin typeface="Mulish" panose="020B0604020202020204" charset="0"/>
-              </a:rPr>
-              <a:t> &lt;&lt; </a:t>
-            </a:r>
-            <a:r>
-              <a:rPr lang="en-US" dirty="0" err="1">
-                <a:latin typeface="Mulish" panose="020B0604020202020204" charset="0"/>
-              </a:rPr>
-              <a:t>endl</a:t>
-            </a:r>
-            <a:r>
-              <a:rPr lang="en-US" dirty="0">
-                <a:latin typeface="Mulish" panose="020B0604020202020204" charset="0"/>
-              </a:rPr>
-              <a:t>;</a:t>
-            </a:r>
+            <a:endParaRPr lang="en-US" dirty="0">
+              <a:latin typeface="Mulish" panose="020B0604020202020204" charset="0"/>
+            </a:endParaRPr>
           </a:p>
           <a:p>
             <a:pPr marL="800100" lvl="1"/>
